--- a/figs/localreg.pptx
+++ b/figs/localreg.pptx
@@ -104,6 +104,11 @@
       </a:defRPr>
     </a:lvl9pPr>
   </p:defaultTextStyle>
+  <p:extLst>
+    <p:ext uri="{EFAFB233-063F-42B5-8137-9DF3F51BA10A}">
+      <p15:sldGuideLst xmlns:p15="http://schemas.microsoft.com/office/powerpoint/2012/main"/>
+    </p:ext>
+  </p:extLst>
 </p:presentation>
 </file>
 
@@ -238,7 +243,7 @@
           <a:p>
             <a:fld id="{BFE0AB25-8A9D-4ECD-922D-287DD9493A1F}" type="datetimeFigureOut">
               <a:rPr kumimoji="1" lang="ja-JP" altLang="en-US" smtClean="0"/>
-              <a:t>2022/8/24</a:t>
+              <a:t>2022/8/27</a:t>
             </a:fld>
             <a:endParaRPr kumimoji="1" lang="ja-JP" altLang="en-US"/>
           </a:p>
@@ -440,7 +445,7 @@
           <a:p>
             <a:fld id="{BFE0AB25-8A9D-4ECD-922D-287DD9493A1F}" type="datetimeFigureOut">
               <a:rPr kumimoji="1" lang="ja-JP" altLang="en-US" smtClean="0"/>
-              <a:t>2022/8/24</a:t>
+              <a:t>2022/8/27</a:t>
             </a:fld>
             <a:endParaRPr kumimoji="1" lang="ja-JP" altLang="en-US"/>
           </a:p>
@@ -652,7 +657,7 @@
           <a:p>
             <a:fld id="{BFE0AB25-8A9D-4ECD-922D-287DD9493A1F}" type="datetimeFigureOut">
               <a:rPr kumimoji="1" lang="ja-JP" altLang="en-US" smtClean="0"/>
-              <a:t>2022/8/24</a:t>
+              <a:t>2022/8/27</a:t>
             </a:fld>
             <a:endParaRPr kumimoji="1" lang="ja-JP" altLang="en-US"/>
           </a:p>
@@ -854,7 +859,7 @@
           <a:p>
             <a:fld id="{BFE0AB25-8A9D-4ECD-922D-287DD9493A1F}" type="datetimeFigureOut">
               <a:rPr kumimoji="1" lang="ja-JP" altLang="en-US" smtClean="0"/>
-              <a:t>2022/8/24</a:t>
+              <a:t>2022/8/27</a:t>
             </a:fld>
             <a:endParaRPr kumimoji="1" lang="ja-JP" altLang="en-US"/>
           </a:p>
@@ -1100,7 +1105,7 @@
           <a:p>
             <a:fld id="{BFE0AB25-8A9D-4ECD-922D-287DD9493A1F}" type="datetimeFigureOut">
               <a:rPr kumimoji="1" lang="ja-JP" altLang="en-US" smtClean="0"/>
-              <a:t>2022/8/24</a:t>
+              <a:t>2022/8/27</a:t>
             </a:fld>
             <a:endParaRPr kumimoji="1" lang="ja-JP" altLang="en-US"/>
           </a:p>
@@ -1396,7 +1401,7 @@
           <a:p>
             <a:fld id="{BFE0AB25-8A9D-4ECD-922D-287DD9493A1F}" type="datetimeFigureOut">
               <a:rPr kumimoji="1" lang="ja-JP" altLang="en-US" smtClean="0"/>
-              <a:t>2022/8/24</a:t>
+              <a:t>2022/8/27</a:t>
             </a:fld>
             <a:endParaRPr kumimoji="1" lang="ja-JP" altLang="en-US"/>
           </a:p>
@@ -1827,7 +1832,7 @@
           <a:p>
             <a:fld id="{BFE0AB25-8A9D-4ECD-922D-287DD9493A1F}" type="datetimeFigureOut">
               <a:rPr kumimoji="1" lang="ja-JP" altLang="en-US" smtClean="0"/>
-              <a:t>2022/8/24</a:t>
+              <a:t>2022/8/27</a:t>
             </a:fld>
             <a:endParaRPr kumimoji="1" lang="ja-JP" altLang="en-US"/>
           </a:p>
@@ -1945,7 +1950,7 @@
           <a:p>
             <a:fld id="{BFE0AB25-8A9D-4ECD-922D-287DD9493A1F}" type="datetimeFigureOut">
               <a:rPr kumimoji="1" lang="ja-JP" altLang="en-US" smtClean="0"/>
-              <a:t>2022/8/24</a:t>
+              <a:t>2022/8/27</a:t>
             </a:fld>
             <a:endParaRPr kumimoji="1" lang="ja-JP" altLang="en-US"/>
           </a:p>
@@ -2040,7 +2045,7 @@
           <a:p>
             <a:fld id="{BFE0AB25-8A9D-4ECD-922D-287DD9493A1F}" type="datetimeFigureOut">
               <a:rPr kumimoji="1" lang="ja-JP" altLang="en-US" smtClean="0"/>
-              <a:t>2022/8/24</a:t>
+              <a:t>2022/8/27</a:t>
             </a:fld>
             <a:endParaRPr kumimoji="1" lang="ja-JP" altLang="en-US"/>
           </a:p>
@@ -2349,7 +2354,7 @@
           <a:p>
             <a:fld id="{BFE0AB25-8A9D-4ECD-922D-287DD9493A1F}" type="datetimeFigureOut">
               <a:rPr kumimoji="1" lang="ja-JP" altLang="en-US" smtClean="0"/>
-              <a:t>2022/8/24</a:t>
+              <a:t>2022/8/27</a:t>
             </a:fld>
             <a:endParaRPr kumimoji="1" lang="ja-JP" altLang="en-US"/>
           </a:p>
@@ -2606,7 +2611,7 @@
           <a:p>
             <a:fld id="{BFE0AB25-8A9D-4ECD-922D-287DD9493A1F}" type="datetimeFigureOut">
               <a:rPr kumimoji="1" lang="ja-JP" altLang="en-US" smtClean="0"/>
-              <a:t>2022/8/24</a:t>
+              <a:t>2022/8/27</a:t>
             </a:fld>
             <a:endParaRPr kumimoji="1" lang="ja-JP" altLang="en-US"/>
           </a:p>
@@ -2851,7 +2856,7 @@
           <a:p>
             <a:fld id="{BFE0AB25-8A9D-4ECD-922D-287DD9493A1F}" type="datetimeFigureOut">
               <a:rPr kumimoji="1" lang="ja-JP" altLang="en-US" smtClean="0"/>
-              <a:t>2022/8/24</a:t>
+              <a:t>2022/8/27</a:t>
             </a:fld>
             <a:endParaRPr kumimoji="1" lang="ja-JP" altLang="en-US"/>
           </a:p>
@@ -4157,8 +4162,8 @@
         </p:nvSpPr>
         <p:spPr>
           <a:xfrm>
-            <a:off x="3848173" y="1548740"/>
-            <a:ext cx="83127" cy="369332"/>
+            <a:off x="3848172" y="1548740"/>
+            <a:ext cx="654991" cy="646331"/>
           </a:xfrm>
           <a:prstGeom prst="rect">
             <a:avLst/>
@@ -4172,12 +4177,25 @@
           <a:lstStyle/>
           <a:p>
             <a:r>
-              <a:rPr lang="en-US" altLang="ja-JP" i="1" dirty="0">
+              <a:rPr lang="en-US" altLang="ja-JP" sz="1800" i="1" dirty="0">
                 <a:latin typeface="Times New Roman" panose="02020603050405020304" pitchFamily="18" charset="0"/>
                 <a:cs typeface="Times New Roman" panose="02020603050405020304" pitchFamily="18" charset="0"/>
               </a:rPr>
-              <a:t>m</a:t>
-            </a:r>
+              <a:t>g</a:t>
+            </a:r>
+            <a:r>
+              <a:rPr lang="en-US" altLang="ja-JP" sz="1800" baseline="-25000" dirty="0">
+                <a:latin typeface="Times New Roman" panose="02020603050405020304" pitchFamily="18" charset="0"/>
+                <a:cs typeface="Times New Roman" panose="02020603050405020304" pitchFamily="18" charset="0"/>
+              </a:rPr>
+              <a:t>0</a:t>
+            </a:r>
+            <a:endParaRPr lang="ja-JP" altLang="en-US" sz="1800" baseline="-25000" dirty="0">
+              <a:latin typeface="Times New Roman" panose="02020603050405020304" pitchFamily="18" charset="0"/>
+              <a:cs typeface="Times New Roman" panose="02020603050405020304" pitchFamily="18" charset="0"/>
+            </a:endParaRPr>
+          </a:p>
+          <a:p>
             <a:endParaRPr lang="ja-JP" altLang="en-US" i="1" dirty="0">
               <a:latin typeface="Times New Roman" panose="02020603050405020304" pitchFamily="18" charset="0"/>
               <a:cs typeface="Times New Roman" panose="02020603050405020304" pitchFamily="18" charset="0"/>
@@ -5074,48 +5092,6 @@
       </p:cxnSp>
       <p:sp>
         <p:nvSpPr>
-          <p:cNvPr id="53" name="テキスト ボックス 52">
-            <a:extLst>
-              <a:ext uri="{FF2B5EF4-FFF2-40B4-BE49-F238E27FC236}">
-                <a16:creationId xmlns:a16="http://schemas.microsoft.com/office/drawing/2014/main" id="{426A1703-D4DF-2A59-48A5-5BEF1106CFFA}"/>
-              </a:ext>
-            </a:extLst>
-          </p:cNvPr>
-          <p:cNvSpPr txBox="1"/>
-          <p:nvPr/>
-        </p:nvSpPr>
-        <p:spPr>
-          <a:xfrm>
-            <a:off x="9115212" y="1548740"/>
-            <a:ext cx="83127" cy="369332"/>
-          </a:xfrm>
-          <a:prstGeom prst="rect">
-            <a:avLst/>
-          </a:prstGeom>
-          <a:noFill/>
-        </p:spPr>
-        <p:txBody>
-          <a:bodyPr wrap="square" rtlCol="0">
-            <a:spAutoFit/>
-          </a:bodyPr>
-          <a:lstStyle/>
-          <a:p>
-            <a:r>
-              <a:rPr lang="en-US" altLang="ja-JP" i="1" dirty="0">
-                <a:latin typeface="Times New Roman" panose="02020603050405020304" pitchFamily="18" charset="0"/>
-                <a:cs typeface="Times New Roman" panose="02020603050405020304" pitchFamily="18" charset="0"/>
-              </a:rPr>
-              <a:t>m</a:t>
-            </a:r>
-            <a:endParaRPr lang="ja-JP" altLang="en-US" i="1" dirty="0">
-              <a:latin typeface="Times New Roman" panose="02020603050405020304" pitchFamily="18" charset="0"/>
-              <a:cs typeface="Times New Roman" panose="02020603050405020304" pitchFamily="18" charset="0"/>
-            </a:endParaRPr>
-          </a:p>
-        </p:txBody>
-      </p:sp>
-      <p:sp>
-        <p:nvSpPr>
           <p:cNvPr id="73" name="テキスト ボックス 72">
             <a:extLst>
               <a:ext uri="{FF2B5EF4-FFF2-40B4-BE49-F238E27FC236}">
@@ -6512,48 +6488,6 @@
           </a:fontRef>
         </p:style>
       </p:cxnSp>
-      <p:sp>
-        <p:nvSpPr>
-          <p:cNvPr id="110" name="テキスト ボックス 109">
-            <a:extLst>
-              <a:ext uri="{FF2B5EF4-FFF2-40B4-BE49-F238E27FC236}">
-                <a16:creationId xmlns:a16="http://schemas.microsoft.com/office/drawing/2014/main" id="{C2D38EE0-902D-26EC-F516-6B72A48B3EEA}"/>
-              </a:ext>
-            </a:extLst>
-          </p:cNvPr>
-          <p:cNvSpPr txBox="1"/>
-          <p:nvPr/>
-        </p:nvSpPr>
-        <p:spPr>
-          <a:xfrm>
-            <a:off x="14086471" y="1548740"/>
-            <a:ext cx="83127" cy="369332"/>
-          </a:xfrm>
-          <a:prstGeom prst="rect">
-            <a:avLst/>
-          </a:prstGeom>
-          <a:noFill/>
-        </p:spPr>
-        <p:txBody>
-          <a:bodyPr wrap="square" rtlCol="0">
-            <a:spAutoFit/>
-          </a:bodyPr>
-          <a:lstStyle/>
-          <a:p>
-            <a:r>
-              <a:rPr lang="en-US" altLang="ja-JP" i="1" dirty="0">
-                <a:latin typeface="Times New Roman" panose="02020603050405020304" pitchFamily="18" charset="0"/>
-                <a:cs typeface="Times New Roman" panose="02020603050405020304" pitchFamily="18" charset="0"/>
-              </a:rPr>
-              <a:t>m</a:t>
-            </a:r>
-            <a:endParaRPr lang="ja-JP" altLang="en-US" i="1" dirty="0">
-              <a:latin typeface="Times New Roman" panose="02020603050405020304" pitchFamily="18" charset="0"/>
-              <a:cs typeface="Times New Roman" panose="02020603050405020304" pitchFamily="18" charset="0"/>
-            </a:endParaRPr>
-          </a:p>
-        </p:txBody>
-      </p:sp>
       <p:cxnSp>
         <p:nvCxnSpPr>
           <p:cNvPr id="111" name="直線コネクタ 110">
@@ -6750,7 +6684,7 @@
             <p:spPr>
               <a:xfrm>
                 <a:off x="2009340" y="2741295"/>
-                <a:ext cx="612026" cy="246221"/>
+                <a:ext cx="558550" cy="246221"/>
               </a:xfrm>
               <a:prstGeom prst="rect">
                 <a:avLst/>
@@ -6763,6 +6697,7 @@
               </a:bodyPr>
               <a:lstStyle/>
               <a:p>
+                <a:pPr/>
                 <a14:m>
                   <m:oMathPara xmlns:m="http://schemas.openxmlformats.org/officeDocument/2006/math">
                     <m:oMathParaPr>
@@ -6772,7 +6707,7 @@
                       <m:sSub>
                         <m:sSubPr>
                           <m:ctrlPr>
-                            <a:rPr kumimoji="1" lang="en-US" altLang="ja-JP" sz="1600" i="1">
+                            <a:rPr kumimoji="1" lang="en-US" altLang="ja-JP" sz="1600" i="1" smtClean="0">
                               <a:latin typeface="Cambria Math" panose="02040503050406030204" pitchFamily="18" charset="0"/>
                             </a:rPr>
                           </m:ctrlPr>
@@ -6789,10 +6724,10 @@
                             </m:accPr>
                             <m:e>
                               <m:r>
-                                <a:rPr kumimoji="1" lang="en-US" altLang="ja-JP" sz="1600" i="1">
+                                <a:rPr kumimoji="1" lang="en-US" altLang="ja-JP" sz="1600" b="0" i="1" smtClean="0">
                                   <a:latin typeface="Cambria Math" panose="02040503050406030204" pitchFamily="18" charset="0"/>
                                 </a:rPr>
-                                <m:t>𝑚</m:t>
+                                <m:t>𝑔</m:t>
                               </m:r>
                             </m:e>
                           </m:acc>
@@ -6850,7 +6785,7 @@
             <p:spPr>
               <a:xfrm>
                 <a:off x="2009340" y="2741295"/>
-                <a:ext cx="612026" cy="246221"/>
+                <a:ext cx="558550" cy="246221"/>
               </a:xfrm>
               <a:prstGeom prst="rect">
                 <a:avLst/>
@@ -6858,7 +6793,7 @@
               <a:blipFill>
                 <a:blip r:embed="rId2"/>
                 <a:stretch>
-                  <a:fillRect l="-5000" t="-20000" r="-11000" b="-32500"/>
+                  <a:fillRect l="-8791" t="-20000" r="-12088" b="-32500"/>
                 </a:stretch>
               </a:blipFill>
             </p:spPr>
@@ -6948,7 +6883,7 @@
             <p:spPr>
               <a:xfrm>
                 <a:off x="7272881" y="2704791"/>
-                <a:ext cx="612026" cy="246221"/>
+                <a:ext cx="558550" cy="246221"/>
               </a:xfrm>
               <a:prstGeom prst="rect">
                 <a:avLst/>
@@ -6961,6 +6896,7 @@
               </a:bodyPr>
               <a:lstStyle/>
               <a:p>
+                <a:pPr/>
                 <a14:m>
                   <m:oMathPara xmlns:m="http://schemas.openxmlformats.org/officeDocument/2006/math">
                     <m:oMathParaPr>
@@ -6970,7 +6906,7 @@
                       <m:sSub>
                         <m:sSubPr>
                           <m:ctrlPr>
-                            <a:rPr kumimoji="1" lang="en-US" altLang="ja-JP" sz="1600" i="1">
+                            <a:rPr kumimoji="1" lang="en-US" altLang="ja-JP" sz="1600" i="1" smtClean="0">
                               <a:latin typeface="Cambria Math" panose="02040503050406030204" pitchFamily="18" charset="0"/>
                             </a:rPr>
                           </m:ctrlPr>
@@ -6987,10 +6923,10 @@
                             </m:accPr>
                             <m:e>
                               <m:r>
-                                <a:rPr kumimoji="1" lang="en-US" altLang="ja-JP" sz="1600" i="1">
+                                <a:rPr kumimoji="1" lang="en-US" altLang="ja-JP" sz="1600" b="0" i="1" smtClean="0">
                                   <a:latin typeface="Cambria Math" panose="02040503050406030204" pitchFamily="18" charset="0"/>
                                 </a:rPr>
-                                <m:t>𝑚</m:t>
+                                <m:t>𝑔</m:t>
                               </m:r>
                             </m:e>
                           </m:acc>
@@ -7048,7 +6984,7 @@
             <p:spPr>
               <a:xfrm>
                 <a:off x="7272881" y="2704791"/>
-                <a:ext cx="612026" cy="246221"/>
+                <a:ext cx="558550" cy="246221"/>
               </a:xfrm>
               <a:prstGeom prst="rect">
                 <a:avLst/>
@@ -7056,7 +6992,7 @@
               <a:blipFill>
                 <a:blip r:embed="rId3"/>
                 <a:stretch>
-                  <a:fillRect l="-4000" t="-20000" r="-12000" b="-32500"/>
+                  <a:fillRect l="-8696" t="-20000" r="-11957" b="-32500"/>
                 </a:stretch>
               </a:blipFill>
             </p:spPr>
@@ -7323,7 +7259,7 @@
             <p:spPr>
               <a:xfrm>
                 <a:off x="12269719" y="2874023"/>
-                <a:ext cx="612026" cy="246221"/>
+                <a:ext cx="558550" cy="246221"/>
               </a:xfrm>
               <a:prstGeom prst="rect">
                 <a:avLst/>
@@ -7336,6 +7272,7 @@
               </a:bodyPr>
               <a:lstStyle/>
               <a:p>
+                <a:pPr/>
                 <a14:m>
                   <m:oMathPara xmlns:m="http://schemas.openxmlformats.org/officeDocument/2006/math">
                     <m:oMathParaPr>
@@ -7345,7 +7282,7 @@
                       <m:sSub>
                         <m:sSubPr>
                           <m:ctrlPr>
-                            <a:rPr kumimoji="1" lang="en-US" altLang="ja-JP" sz="1600" i="1">
+                            <a:rPr kumimoji="1" lang="en-US" altLang="ja-JP" sz="1600" i="1" smtClean="0">
                               <a:latin typeface="Cambria Math" panose="02040503050406030204" pitchFamily="18" charset="0"/>
                             </a:rPr>
                           </m:ctrlPr>
@@ -7362,10 +7299,10 @@
                             </m:accPr>
                             <m:e>
                               <m:r>
-                                <a:rPr kumimoji="1" lang="en-US" altLang="ja-JP" sz="1600" i="1">
+                                <a:rPr kumimoji="1" lang="en-US" altLang="ja-JP" sz="1600" b="0" i="1" smtClean="0">
                                   <a:latin typeface="Cambria Math" panose="02040503050406030204" pitchFamily="18" charset="0"/>
                                 </a:rPr>
-                                <m:t>𝑚</m:t>
+                                <m:t>𝑔</m:t>
                               </m:r>
                             </m:e>
                           </m:acc>
@@ -7423,7 +7360,7 @@
             <p:spPr>
               <a:xfrm>
                 <a:off x="12269719" y="2874023"/>
-                <a:ext cx="612026" cy="246221"/>
+                <a:ext cx="558550" cy="246221"/>
               </a:xfrm>
               <a:prstGeom prst="rect">
                 <a:avLst/>
@@ -7431,7 +7368,7 @@
               <a:blipFill>
                 <a:blip r:embed="rId4"/>
                 <a:stretch>
-                  <a:fillRect l="-5000" t="-17073" r="-11000" b="-31707"/>
+                  <a:fillRect l="-8791" t="-17073" r="-12088" b="-31707"/>
                 </a:stretch>
               </a:blipFill>
             </p:spPr>
@@ -7450,6 +7387,116 @@
           </p:sp>
         </mc:Fallback>
       </mc:AlternateContent>
+      <p:sp>
+        <p:nvSpPr>
+          <p:cNvPr id="2" name="テキスト ボックス 1">
+            <a:extLst>
+              <a:ext uri="{FF2B5EF4-FFF2-40B4-BE49-F238E27FC236}">
+                <a16:creationId xmlns:a16="http://schemas.microsoft.com/office/drawing/2014/main" id="{54E0A77B-D19C-BA88-6D33-7EB5912F9457}"/>
+              </a:ext>
+            </a:extLst>
+          </p:cNvPr>
+          <p:cNvSpPr txBox="1"/>
+          <p:nvPr/>
+        </p:nvSpPr>
+        <p:spPr>
+          <a:xfrm>
+            <a:off x="9144266" y="1548740"/>
+            <a:ext cx="654991" cy="646331"/>
+          </a:xfrm>
+          <a:prstGeom prst="rect">
+            <a:avLst/>
+          </a:prstGeom>
+          <a:noFill/>
+        </p:spPr>
+        <p:txBody>
+          <a:bodyPr wrap="square" rtlCol="0">
+            <a:spAutoFit/>
+          </a:bodyPr>
+          <a:lstStyle/>
+          <a:p>
+            <a:r>
+              <a:rPr lang="en-US" altLang="ja-JP" sz="1800" i="1" dirty="0">
+                <a:latin typeface="Times New Roman" panose="02020603050405020304" pitchFamily="18" charset="0"/>
+                <a:cs typeface="Times New Roman" panose="02020603050405020304" pitchFamily="18" charset="0"/>
+              </a:rPr>
+              <a:t>g</a:t>
+            </a:r>
+            <a:r>
+              <a:rPr lang="en-US" altLang="ja-JP" sz="1800" baseline="-25000" dirty="0">
+                <a:latin typeface="Times New Roman" panose="02020603050405020304" pitchFamily="18" charset="0"/>
+                <a:cs typeface="Times New Roman" panose="02020603050405020304" pitchFamily="18" charset="0"/>
+              </a:rPr>
+              <a:t>0</a:t>
+            </a:r>
+            <a:endParaRPr lang="ja-JP" altLang="en-US" sz="1800" baseline="-25000" dirty="0">
+              <a:latin typeface="Times New Roman" panose="02020603050405020304" pitchFamily="18" charset="0"/>
+              <a:cs typeface="Times New Roman" panose="02020603050405020304" pitchFamily="18" charset="0"/>
+            </a:endParaRPr>
+          </a:p>
+          <a:p>
+            <a:endParaRPr lang="ja-JP" altLang="en-US" i="1" dirty="0">
+              <a:latin typeface="Times New Roman" panose="02020603050405020304" pitchFamily="18" charset="0"/>
+              <a:cs typeface="Times New Roman" panose="02020603050405020304" pitchFamily="18" charset="0"/>
+            </a:endParaRPr>
+          </a:p>
+        </p:txBody>
+      </p:sp>
+      <p:sp>
+        <p:nvSpPr>
+          <p:cNvPr id="3" name="テキスト ボックス 2">
+            <a:extLst>
+              <a:ext uri="{FF2B5EF4-FFF2-40B4-BE49-F238E27FC236}">
+                <a16:creationId xmlns:a16="http://schemas.microsoft.com/office/drawing/2014/main" id="{98C90B82-C460-879A-B3FD-8F82088A9328}"/>
+              </a:ext>
+            </a:extLst>
+          </p:cNvPr>
+          <p:cNvSpPr txBox="1"/>
+          <p:nvPr/>
+        </p:nvSpPr>
+        <p:spPr>
+          <a:xfrm>
+            <a:off x="14130017" y="1548740"/>
+            <a:ext cx="654991" cy="646331"/>
+          </a:xfrm>
+          <a:prstGeom prst="rect">
+            <a:avLst/>
+          </a:prstGeom>
+          <a:noFill/>
+        </p:spPr>
+        <p:txBody>
+          <a:bodyPr wrap="square" rtlCol="0">
+            <a:spAutoFit/>
+          </a:bodyPr>
+          <a:lstStyle/>
+          <a:p>
+            <a:r>
+              <a:rPr lang="en-US" altLang="ja-JP" sz="1800" i="1" dirty="0">
+                <a:latin typeface="Times New Roman" panose="02020603050405020304" pitchFamily="18" charset="0"/>
+                <a:cs typeface="Times New Roman" panose="02020603050405020304" pitchFamily="18" charset="0"/>
+              </a:rPr>
+              <a:t>g</a:t>
+            </a:r>
+            <a:r>
+              <a:rPr lang="en-US" altLang="ja-JP" sz="1800" baseline="-25000" dirty="0">
+                <a:latin typeface="Times New Roman" panose="02020603050405020304" pitchFamily="18" charset="0"/>
+                <a:cs typeface="Times New Roman" panose="02020603050405020304" pitchFamily="18" charset="0"/>
+              </a:rPr>
+              <a:t>0</a:t>
+            </a:r>
+            <a:endParaRPr lang="ja-JP" altLang="en-US" sz="1800" baseline="-25000" dirty="0">
+              <a:latin typeface="Times New Roman" panose="02020603050405020304" pitchFamily="18" charset="0"/>
+              <a:cs typeface="Times New Roman" panose="02020603050405020304" pitchFamily="18" charset="0"/>
+            </a:endParaRPr>
+          </a:p>
+          <a:p>
+            <a:endParaRPr lang="ja-JP" altLang="en-US" i="1" dirty="0">
+              <a:latin typeface="Times New Roman" panose="02020603050405020304" pitchFamily="18" charset="0"/>
+              <a:cs typeface="Times New Roman" panose="02020603050405020304" pitchFamily="18" charset="0"/>
+            </a:endParaRPr>
+          </a:p>
+        </p:txBody>
+      </p:sp>
     </p:spTree>
     <p:extLst>
       <p:ext uri="{BB962C8B-B14F-4D97-AF65-F5344CB8AC3E}">
